--- a/docs/Шаблон презентации VTB API hackathon 2025.pptx
+++ b/docs/Шаблон презентации VTB API hackathon 2025.pptx
@@ -69,7 +69,7 @@
         <p:txBody>
           <a:bodyPr/>
           <a:p>
-            <a:fld id="{E4B9C653-77CC-4020-BFAB-668BF2443E5B}" type="slidenum">
+            <a:fld id="{0F5B1889-B84B-4DD0-BB36-A49246DF6CFB}" type="slidenum">
               <a:t>&lt;#&gt;</a:t>
             </a:fld>
           </a:p>
@@ -281,7 +281,7 @@
         <p:txBody>
           <a:bodyPr/>
           <a:p>
-            <a:fld id="{78046A65-79A3-4C1D-9B66-19EB4BADA538}" type="slidenum">
+            <a:fld id="{C68123B9-9149-4CC4-8F13-4B8D8CE43DDD}" type="slidenum">
               <a:t>&lt;#&gt;</a:t>
             </a:fld>
           </a:p>
@@ -585,7 +585,7 @@
         <p:txBody>
           <a:bodyPr/>
           <a:p>
-            <a:fld id="{9263110F-F132-4EC1-B30B-91AE309866DE}" type="slidenum">
+            <a:fld id="{4C43A69B-04ED-4EC7-992A-0B54873E10E4}" type="slidenum">
               <a:t>&lt;#&gt;</a:t>
             </a:fld>
           </a:p>
@@ -981,7 +981,7 @@
         <p:txBody>
           <a:bodyPr/>
           <a:p>
-            <a:fld id="{A4127C66-7FCF-4547-9509-89C25848360B}" type="slidenum">
+            <a:fld id="{5EFB4D34-F439-40E5-839E-F5C57B18C76D}" type="slidenum">
               <a:t>&lt;#&gt;</a:t>
             </a:fld>
           </a:p>
@@ -1064,7 +1064,7 @@
         <p:txBody>
           <a:bodyPr/>
           <a:p>
-            <a:fld id="{852DC356-05E4-4DE7-A5D1-4228AF6F868C}" type="slidenum">
+            <a:fld id="{B677A246-CD16-4CB7-A695-63ADD8102C4C}" type="slidenum">
               <a:t>&lt;#&gt;</a:t>
             </a:fld>
           </a:p>
@@ -1221,7 +1221,7 @@
         <p:txBody>
           <a:bodyPr/>
           <a:p>
-            <a:fld id="{F30CDFE5-8B94-4304-B16F-AB01E9D8E878}" type="slidenum">
+            <a:fld id="{FB3D20B2-E7CA-4B26-8850-F4C753F17F3C}" type="slidenum">
               <a:t>&lt;#&gt;</a:t>
             </a:fld>
           </a:p>
@@ -1387,7 +1387,7 @@
         <p:txBody>
           <a:bodyPr/>
           <a:p>
-            <a:fld id="{9EB8EA12-06EE-401F-954C-A8D0B03E48EF}" type="slidenum">
+            <a:fld id="{F6AAFD44-68CF-4DE9-A2DC-5E4CAA3EFEDF}" type="slidenum">
               <a:t>&lt;#&gt;</a:t>
             </a:fld>
           </a:p>
@@ -1599,7 +1599,7 @@
         <p:txBody>
           <a:bodyPr/>
           <a:p>
-            <a:fld id="{2297D0F5-86CB-4CF7-B4E4-446D92C0D1AA}" type="slidenum">
+            <a:fld id="{E291AA93-F155-4C09-AF9D-5E490206687B}" type="slidenum">
               <a:t>&lt;#&gt;</a:t>
             </a:fld>
           </a:p>
@@ -1719,7 +1719,7 @@
         <p:txBody>
           <a:bodyPr/>
           <a:p>
-            <a:fld id="{AC5D2493-5AFE-496B-A7F9-046F7C6C5556}" type="slidenum">
+            <a:fld id="{8C1B1ABD-6385-499D-BCDF-633304FA78CB}" type="slidenum">
               <a:t>&lt;#&gt;</a:t>
             </a:fld>
           </a:p>
@@ -1839,7 +1839,7 @@
         <p:txBody>
           <a:bodyPr/>
           <a:p>
-            <a:fld id="{4B98B33B-F7D7-442C-A189-76911D9BF709}" type="slidenum">
+            <a:fld id="{8B4BF347-58A9-4092-AC79-396FB8C31986}" type="slidenum">
               <a:t>&lt;#&gt;</a:t>
             </a:fld>
           </a:p>
@@ -2097,7 +2097,7 @@
         <p:txBody>
           <a:bodyPr/>
           <a:p>
-            <a:fld id="{B547761D-99EC-4BC4-A02E-8024DC1DD1E9}" type="slidenum">
+            <a:fld id="{8FD7BAF0-159A-472C-A2C9-F99D36157FC0}" type="slidenum">
               <a:t>&lt;#&gt;</a:t>
             </a:fld>
           </a:p>
@@ -2254,7 +2254,7 @@
         <p:txBody>
           <a:bodyPr/>
           <a:p>
-            <a:fld id="{2947EA7F-9AC8-4BA9-B66D-8CC38F71ADB7}" type="slidenum">
+            <a:fld id="{50752AC2-CE21-44A6-95A1-143A2059AE2D}" type="slidenum">
               <a:t>&lt;#&gt;</a:t>
             </a:fld>
           </a:p>
@@ -2512,7 +2512,7 @@
         <p:txBody>
           <a:bodyPr/>
           <a:p>
-            <a:fld id="{576B7B06-3EBE-4B0F-BD3E-4708482DF20C}" type="slidenum">
+            <a:fld id="{F709DE87-B174-4EE9-A513-A6AC35BA4935}" type="slidenum">
               <a:t>&lt;#&gt;</a:t>
             </a:fld>
           </a:p>
@@ -2770,7 +2770,7 @@
         <p:txBody>
           <a:bodyPr/>
           <a:p>
-            <a:fld id="{B98C9842-DAB3-4FEF-9E25-74703521FCC8}" type="slidenum">
+            <a:fld id="{9C721FF0-E14D-4498-BA53-603E9A4E41DA}" type="slidenum">
               <a:t>&lt;#&gt;</a:t>
             </a:fld>
           </a:p>
@@ -2982,7 +2982,7 @@
         <p:txBody>
           <a:bodyPr/>
           <a:p>
-            <a:fld id="{FF0CFE67-CBBE-46BC-94B9-A6BE5EC8778E}" type="slidenum">
+            <a:fld id="{7EF32B29-BC51-4859-AE5A-81DE50CA5A9F}" type="slidenum">
               <a:t>&lt;#&gt;</a:t>
             </a:fld>
           </a:p>
@@ -3286,7 +3286,7 @@
         <p:txBody>
           <a:bodyPr/>
           <a:p>
-            <a:fld id="{C289682A-4A33-417C-943C-616205D650D1}" type="slidenum">
+            <a:fld id="{F8F402ED-80EB-4C75-82CC-2A9A5185A4DD}" type="slidenum">
               <a:t>&lt;#&gt;</a:t>
             </a:fld>
           </a:p>
@@ -3682,7 +3682,7 @@
         <p:txBody>
           <a:bodyPr/>
           <a:p>
-            <a:fld id="{8A66D2FA-4B73-4C34-A92F-683017251FDE}" type="slidenum">
+            <a:fld id="{1CFED485-5D28-4A2E-BF98-03CC3A25ED50}" type="slidenum">
               <a:t>&lt;#&gt;</a:t>
             </a:fld>
           </a:p>
@@ -3848,7 +3848,7 @@
         <p:txBody>
           <a:bodyPr/>
           <a:p>
-            <a:fld id="{F1B9F75C-FF6A-472F-B54D-B639CEA91D7D}" type="slidenum">
+            <a:fld id="{9E2D6D9C-79ED-48ED-AE93-1B27A8E6518C}" type="slidenum">
               <a:t>&lt;#&gt;</a:t>
             </a:fld>
           </a:p>
@@ -4060,7 +4060,7 @@
         <p:txBody>
           <a:bodyPr/>
           <a:p>
-            <a:fld id="{282C1936-1426-4D9B-8BCD-45348A1393A1}" type="slidenum">
+            <a:fld id="{344E3ADE-ECE6-4692-9D5E-B8836216C15E}" type="slidenum">
               <a:t>&lt;#&gt;</a:t>
             </a:fld>
           </a:p>
@@ -4180,7 +4180,7 @@
         <p:txBody>
           <a:bodyPr/>
           <a:p>
-            <a:fld id="{45C72A3E-6934-43D1-862D-F9FBDA893F54}" type="slidenum">
+            <a:fld id="{536D065B-5621-42CC-A17B-C323518FD368}" type="slidenum">
               <a:t>&lt;#&gt;</a:t>
             </a:fld>
           </a:p>
@@ -4300,7 +4300,7 @@
         <p:txBody>
           <a:bodyPr/>
           <a:p>
-            <a:fld id="{52D2370B-97C2-4E87-9FF9-F22BF97EA61B}" type="slidenum">
+            <a:fld id="{63294552-163D-4E05-AA73-08C563A39412}" type="slidenum">
               <a:t>&lt;#&gt;</a:t>
             </a:fld>
           </a:p>
@@ -4558,7 +4558,7 @@
         <p:txBody>
           <a:bodyPr/>
           <a:p>
-            <a:fld id="{312D0778-AB35-4D58-ACA0-D12B7E6B7E1B}" type="slidenum">
+            <a:fld id="{3E7AF550-5331-4992-9F31-893C708D9B51}" type="slidenum">
               <a:t>&lt;#&gt;</a:t>
             </a:fld>
           </a:p>
@@ -4816,7 +4816,7 @@
         <p:txBody>
           <a:bodyPr/>
           <a:p>
-            <a:fld id="{96541E3C-A4F3-43F4-8EEB-47A5B14AA851}" type="slidenum">
+            <a:fld id="{A1E07C55-3299-40C0-8B75-493DF9BF6F67}" type="slidenum">
               <a:t>&lt;#&gt;</a:t>
             </a:fld>
           </a:p>
@@ -5074,7 +5074,7 @@
         <p:txBody>
           <a:bodyPr/>
           <a:p>
-            <a:fld id="{FC3FB496-F62A-4864-A65D-94A755B54B30}" type="slidenum">
+            <a:fld id="{29B4EE62-0AC0-4CEB-8CBF-0C60090AC9C1}" type="slidenum">
               <a:t>&lt;#&gt;</a:t>
             </a:fld>
           </a:p>
@@ -5283,7 +5283,7 @@
                 </a:solidFill>
                 <a:latin typeface="Aptos"/>
               </a:rPr>
-              <a:t>&lt;date/time&gt;</a:t>
+              <a:t> </a:t>
             </a:r>
             <a:endParaRPr b="0" lang="ru-RU" sz="1200" spc="-1" strike="noStrike">
               <a:latin typeface="Times New Roman"/>
@@ -5334,7 +5334,7 @@
               <a:rPr b="0" lang="ru-RU" sz="1400" spc="-1" strike="noStrike">
                 <a:latin typeface="Times New Roman"/>
               </a:rPr>
-              <a:t>&lt;footer&gt;</a:t>
+              <a:t> </a:t>
             </a:r>
             <a:endParaRPr b="0" lang="ru-RU" sz="1400" spc="-1" strike="noStrike">
               <a:latin typeface="Times New Roman"/>
@@ -5390,14 +5390,14 @@
               </a:lnSpc>
               <a:buNone/>
             </a:pPr>
-            <a:fld id="{098AE0EE-56F8-4937-AF5C-0D3533E6EC40}" type="slidenum">
+            <a:fld id="{8A8BA9B2-0AC5-4D15-AE6E-04DCF8EF252D}" type="slidenum">
               <a:rPr b="0" lang="ru-RU" sz="1200" spc="-1" strike="noStrike">
                 <a:solidFill>
                   <a:srgbClr val="787878"/>
                 </a:solidFill>
                 <a:latin typeface="Aptos"/>
               </a:rPr>
-              <a:t>&lt;number&gt;</a:t>
+              <a:t>6</a:t>
             </a:fld>
             <a:endParaRPr b="0" lang="ru-RU" sz="1200" spc="-1" strike="noStrike">
               <a:latin typeface="Times New Roman"/>
@@ -5737,7 +5737,7 @@
                 </a:solidFill>
                 <a:latin typeface="Aptos Display"/>
               </a:rPr>
-              <a:t>Образец </a:t>
+              <a:t>Обра</a:t>
             </a:r>
             <a:r>
               <a:rPr b="0" lang="ru-RU" sz="4400" spc="-1" strike="noStrike">
@@ -5746,7 +5746,25 @@
                 </a:solidFill>
                 <a:latin typeface="Aptos Display"/>
               </a:rPr>
-              <a:t>заголовка</a:t>
+              <a:t>зец </a:t>
+            </a:r>
+            <a:r>
+              <a:rPr b="0" lang="ru-RU" sz="4400" spc="-1" strike="noStrike">
+                <a:solidFill>
+                  <a:srgbClr val="000000"/>
+                </a:solidFill>
+                <a:latin typeface="Aptos Display"/>
+              </a:rPr>
+              <a:t>загол</a:t>
+            </a:r>
+            <a:r>
+              <a:rPr b="0" lang="ru-RU" sz="4400" spc="-1" strike="noStrike">
+                <a:solidFill>
+                  <a:srgbClr val="000000"/>
+                </a:solidFill>
+                <a:latin typeface="Aptos Display"/>
+              </a:rPr>
+              <a:t>овка</a:t>
             </a:r>
             <a:endParaRPr b="0" lang="ru-RU" sz="4400" spc="-1" strike="noStrike">
               <a:solidFill>
@@ -6098,7 +6116,7 @@
               </a:lnSpc>
               <a:buNone/>
             </a:pPr>
-            <a:fld id="{416FF0FD-2328-4386-932E-1C5BF755EE62}" type="slidenum">
+            <a:fld id="{E595C1F3-626F-4F99-90CD-274E9CB17F57}" type="slidenum">
               <a:rPr b="0" lang="ru-RU" sz="1200" spc="-1" strike="noStrike">
                 <a:solidFill>
                   <a:srgbClr val="787878"/>
@@ -7816,19 +7834,7 @@
               <a:rPr b="0" lang="ru-RU" sz="2800" spc="-1" strike="noStrike">
                 <a:latin typeface="Arial"/>
               </a:rPr>
-              <a:t>Реализац</a:t>
-            </a:r>
-            <a:r>
-              <a:rPr b="0" lang="ru-RU" sz="2800" spc="-1" strike="noStrike">
-                <a:latin typeface="Arial"/>
-              </a:rPr>
-              <a:t>ия в </a:t>
-            </a:r>
-            <a:r>
-              <a:rPr b="0" lang="ru-RU" sz="2800" spc="-1" strike="noStrike">
-                <a:latin typeface="Arial"/>
-              </a:rPr>
-              <a:t>FinApp</a:t>
+              <a:t>Реализация в FinApp</a:t>
             </a:r>
             <a:endParaRPr b="0" lang="ru-RU" sz="2800" spc="-1" strike="noStrike">
               <a:latin typeface="Arial"/>
@@ -8512,7 +8518,19 @@
               <a:rPr b="0" lang="ru-RU" sz="2800" spc="-1" strike="noStrike">
                 <a:latin typeface="Arial"/>
               </a:rPr>
-              <a:t>Реализация в FinApp</a:t>
+              <a:t>Реализац</a:t>
+            </a:r>
+            <a:r>
+              <a:rPr b="0" lang="ru-RU" sz="2800" spc="-1" strike="noStrike">
+                <a:latin typeface="Arial"/>
+              </a:rPr>
+              <a:t>ия в </a:t>
+            </a:r>
+            <a:r>
+              <a:rPr b="0" lang="ru-RU" sz="2800" spc="-1" strike="noStrike">
+                <a:latin typeface="Arial"/>
+              </a:rPr>
+              <a:t>FinApp</a:t>
             </a:r>
             <a:endParaRPr b="0" lang="ru-RU" sz="2800" spc="-1" strike="noStrike">
               <a:latin typeface="Arial"/>
